--- a/DEMO_ALLATONCE/ApexAlpeAdria2025_AllAtOnce.pptx
+++ b/DEMO_ALLATONCE/ApexAlpeAdria2025_AllAtOnce.pptx
@@ -150,7 +150,7 @@
 <file path=ppt/revisionInfo.xml><?xml version="1.0" encoding="utf-8"?>
 <p1510:revInfo xmlns:a="http://schemas.openxmlformats.org/drawingml/2006/main" xmlns:r="http://schemas.openxmlformats.org/officeDocument/2006/relationships" xmlns:p1510="http://schemas.microsoft.com/office/powerpoint/2015/10/main">
   <p1510:revLst>
-    <p1510:client id="{DC92909B-278F-4970-BC0E-B6BC60142AFF}" v="1789" dt="2025-04-11T12:00:48.110"/>
+    <p1510:client id="{DC92909B-278F-4970-BC0E-B6BC60142AFF}" v="1850" dt="2025-04-11T12:09:55.026"/>
   </p1510:revLst>
 </p1510:revInfo>
 </file>
@@ -680,7 +680,7 @@
   <pc:docChgLst>
     <pc:chgData name="Andre van der Put" userId="81da23f61e521915" providerId="LiveId" clId="{DC92909B-278F-4970-BC0E-B6BC60142AFF}"/>
     <pc:docChg chg="undo custSel addSld delSld modSld sldOrd">
-      <pc:chgData name="Andre van der Put" userId="81da23f61e521915" providerId="LiveId" clId="{DC92909B-278F-4970-BC0E-B6BC60142AFF}" dt="2025-04-11T12:00:48.110" v="3642" actId="12"/>
+      <pc:chgData name="Andre van der Put" userId="81da23f61e521915" providerId="LiveId" clId="{DC92909B-278F-4970-BC0E-B6BC60142AFF}" dt="2025-04-11T12:09:55.026" v="3703" actId="12"/>
       <pc:docMkLst>
         <pc:docMk/>
       </pc:docMkLst>
@@ -1273,13 +1273,13 @@
         </pc:picChg>
       </pc:sldChg>
       <pc:sldChg chg="modSp add mod ord modAnim">
-        <pc:chgData name="Andre van der Put" userId="81da23f61e521915" providerId="LiveId" clId="{DC92909B-278F-4970-BC0E-B6BC60142AFF}" dt="2025-03-28T16:19:51.432" v="1499" actId="20577"/>
+        <pc:chgData name="Andre van der Put" userId="81da23f61e521915" providerId="LiveId" clId="{DC92909B-278F-4970-BC0E-B6BC60142AFF}" dt="2025-04-11T12:09:55.026" v="3703" actId="12"/>
         <pc:sldMkLst>
           <pc:docMk/>
           <pc:sldMk cId="3472689494" sldId="351"/>
         </pc:sldMkLst>
         <pc:spChg chg="mod">
-          <ac:chgData name="Andre van der Put" userId="81da23f61e521915" providerId="LiveId" clId="{DC92909B-278F-4970-BC0E-B6BC60142AFF}" dt="2025-03-28T16:19:51.432" v="1499" actId="20577"/>
+          <ac:chgData name="Andre van der Put" userId="81da23f61e521915" providerId="LiveId" clId="{DC92909B-278F-4970-BC0E-B6BC60142AFF}" dt="2025-04-11T12:09:55.026" v="3703" actId="12"/>
           <ac:spMkLst>
             <pc:docMk/>
             <pc:sldMk cId="3472689494" sldId="351"/>
@@ -21758,6 +21758,60 @@
             </a:pPr>
             <a:r>
               <a:rPr lang="nl-NL" dirty="0"/>
+              <a:t>APEX </a:t>
+            </a:r>
+            <a:r>
+              <a:rPr lang="nl-NL" dirty="0" err="1"/>
+              <a:t>session</a:t>
+            </a:r>
+            <a:r>
+              <a:rPr lang="nl-NL" dirty="0"/>
+              <a:t> </a:t>
+            </a:r>
+            <a:r>
+              <a:rPr lang="nl-NL" dirty="0" err="1"/>
+              <a:t>length</a:t>
+            </a:r>
+            <a:r>
+              <a:rPr lang="nl-NL" dirty="0"/>
+              <a:t> is </a:t>
+            </a:r>
+            <a:r>
+              <a:rPr lang="nl-NL" dirty="0" err="1"/>
+              <a:t>limited</a:t>
+            </a:r>
+            <a:r>
+              <a:rPr lang="nl-NL" dirty="0"/>
+              <a:t> </a:t>
+            </a:r>
+            <a:r>
+              <a:rPr lang="nl-NL" dirty="0" err="1"/>
+              <a:t>to</a:t>
+            </a:r>
+            <a:r>
+              <a:rPr lang="nl-NL" dirty="0"/>
+              <a:t> token </a:t>
+            </a:r>
+            <a:r>
+              <a:rPr lang="nl-NL" dirty="0" err="1"/>
+              <a:t>lifetime</a:t>
+            </a:r>
+            <a:r>
+              <a:rPr lang="nl-NL" dirty="0"/>
+              <a:t> (1 </a:t>
+            </a:r>
+            <a:r>
+              <a:rPr lang="nl-NL" dirty="0" err="1"/>
+              <a:t>hour</a:t>
+            </a:r>
+            <a:r>
+              <a:rPr lang="nl-NL" dirty="0"/>
+              <a:t>)</a:t>
+            </a:r>
+          </a:p>
+          <a:p>
+            <a:r>
+              <a:rPr lang="nl-NL" dirty="0"/>
               <a:t>No </a:t>
             </a:r>
             <a:r>
@@ -21766,64 +21820,13 @@
             </a:r>
             <a:r>
               <a:rPr lang="nl-NL" dirty="0"/>
-              <a:t> token, </a:t>
-            </a:r>
-            <a:r>
-              <a:rPr lang="nl-NL" dirty="0" err="1"/>
-              <a:t>so</a:t>
-            </a:r>
-            <a:r>
-              <a:rPr lang="nl-NL" dirty="0"/>
-              <a:t> </a:t>
+              <a:t> token, new login is new APEX </a:t>
             </a:r>
             <a:r>
               <a:rPr lang="nl-NL" dirty="0" err="1"/>
               <a:t>session</a:t>
             </a:r>
-            <a:r>
-              <a:rPr lang="nl-NL" dirty="0"/>
-              <a:t> </a:t>
-            </a:r>
-            <a:r>
-              <a:rPr lang="nl-NL" dirty="0" err="1"/>
-              <a:t>length</a:t>
-            </a:r>
-            <a:r>
-              <a:rPr lang="nl-NL" dirty="0"/>
-              <a:t> is </a:t>
-            </a:r>
-            <a:r>
-              <a:rPr lang="nl-NL" dirty="0" err="1"/>
-              <a:t>limited</a:t>
-            </a:r>
-            <a:r>
-              <a:rPr lang="nl-NL" dirty="0"/>
-              <a:t> </a:t>
-            </a:r>
-            <a:r>
-              <a:rPr lang="nl-NL" dirty="0" err="1"/>
-              <a:t>to</a:t>
-            </a:r>
-            <a:r>
-              <a:rPr lang="nl-NL" dirty="0"/>
-              <a:t> token </a:t>
-            </a:r>
-            <a:r>
-              <a:rPr lang="nl-NL" dirty="0" err="1"/>
-              <a:t>lifetime</a:t>
-            </a:r>
-            <a:r>
-              <a:rPr lang="nl-NL" dirty="0"/>
-              <a:t> (1 </a:t>
-            </a:r>
-            <a:r>
-              <a:rPr lang="nl-NL" dirty="0" err="1"/>
-              <a:t>hour</a:t>
-            </a:r>
-            <a:r>
-              <a:rPr lang="nl-NL" dirty="0"/>
-              <a:t>)</a:t>
-            </a:r>
+            <a:endParaRPr lang="nl-NL" dirty="0"/>
           </a:p>
           <a:p>
             <a:pPr marL="0" indent="0">
@@ -22463,6 +22466,55 @@
                                           <p:spTgt spid="2">
                                             <p:txEl>
                                               <p:pRg st="5" end="5"/>
+                                            </p:txEl>
+                                          </p:spTgt>
+                                        </p:tgtEl>
+                                        <p:attrNameLst>
+                                          <p:attrName>style.visibility</p:attrName>
+                                        </p:attrNameLst>
+                                      </p:cBhvr>
+                                      <p:to>
+                                        <p:strVal val="visible"/>
+                                      </p:to>
+                                    </p:set>
+                                  </p:childTnLst>
+                                </p:cTn>
+                              </p:par>
+                            </p:childTnLst>
+                          </p:cTn>
+                        </p:par>
+                      </p:childTnLst>
+                    </p:cTn>
+                  </p:par>
+                  <p:par>
+                    <p:cTn id="19" fill="hold">
+                      <p:stCondLst>
+                        <p:cond delay="indefinite"/>
+                      </p:stCondLst>
+                      <p:childTnLst>
+                        <p:par>
+                          <p:cTn id="20" fill="hold">
+                            <p:stCondLst>
+                              <p:cond delay="0"/>
+                            </p:stCondLst>
+                            <p:childTnLst>
+                              <p:par>
+                                <p:cTn id="21" presetID="1" presetClass="entr" presetSubtype="0" fill="hold" nodeType="clickEffect">
+                                  <p:stCondLst>
+                                    <p:cond delay="0"/>
+                                  </p:stCondLst>
+                                  <p:childTnLst>
+                                    <p:set>
+                                      <p:cBhvr>
+                                        <p:cTn id="22" dur="1" fill="hold">
+                                          <p:stCondLst>
+                                            <p:cond delay="0"/>
+                                          </p:stCondLst>
+                                        </p:cTn>
+                                        <p:tgtEl>
+                                          <p:spTgt spid="2">
+                                            <p:txEl>
+                                              <p:pRg st="6" end="6"/>
                                             </p:txEl>
                                           </p:spTgt>
                                         </p:tgtEl>
